--- a/chapters/IntegriScreen/img/systemModel.pptx
+++ b/chapters/IntegriScreen/img/systemModel.pptx
@@ -242,7 +242,7 @@
           <a:p>
             <a:fld id="{DE145824-B777-4E7B-9050-A639C4604EA9}" type="datetimeFigureOut">
               <a:rPr lang="en-US" smtClean="0"/>
-              <a:t>13-Nov-18</a:t>
+              <a:t>2/13/2021</a:t>
             </a:fld>
             <a:endParaRPr lang="en-US"/>
           </a:p>
@@ -410,7 +410,7 @@
           <a:p>
             <a:fld id="{DE145824-B777-4E7B-9050-A639C4604EA9}" type="datetimeFigureOut">
               <a:rPr lang="en-US" smtClean="0"/>
-              <a:t>13-Nov-18</a:t>
+              <a:t>2/13/2021</a:t>
             </a:fld>
             <a:endParaRPr lang="en-US"/>
           </a:p>
@@ -588,7 +588,7 @@
           <a:p>
             <a:fld id="{DE145824-B777-4E7B-9050-A639C4604EA9}" type="datetimeFigureOut">
               <a:rPr lang="en-US" smtClean="0"/>
-              <a:t>13-Nov-18</a:t>
+              <a:t>2/13/2021</a:t>
             </a:fld>
             <a:endParaRPr lang="en-US"/>
           </a:p>
@@ -756,7 +756,7 @@
           <a:p>
             <a:fld id="{DE145824-B777-4E7B-9050-A639C4604EA9}" type="datetimeFigureOut">
               <a:rPr lang="en-US" smtClean="0"/>
-              <a:t>13-Nov-18</a:t>
+              <a:t>2/13/2021</a:t>
             </a:fld>
             <a:endParaRPr lang="en-US"/>
           </a:p>
@@ -1001,7 +1001,7 @@
           <a:p>
             <a:fld id="{DE145824-B777-4E7B-9050-A639C4604EA9}" type="datetimeFigureOut">
               <a:rPr lang="en-US" smtClean="0"/>
-              <a:t>13-Nov-18</a:t>
+              <a:t>2/13/2021</a:t>
             </a:fld>
             <a:endParaRPr lang="en-US"/>
           </a:p>
@@ -1230,7 +1230,7 @@
           <a:p>
             <a:fld id="{DE145824-B777-4E7B-9050-A639C4604EA9}" type="datetimeFigureOut">
               <a:rPr lang="en-US" smtClean="0"/>
-              <a:t>13-Nov-18</a:t>
+              <a:t>2/13/2021</a:t>
             </a:fld>
             <a:endParaRPr lang="en-US"/>
           </a:p>
@@ -1594,7 +1594,7 @@
           <a:p>
             <a:fld id="{DE145824-B777-4E7B-9050-A639C4604EA9}" type="datetimeFigureOut">
               <a:rPr lang="en-US" smtClean="0"/>
-              <a:t>13-Nov-18</a:t>
+              <a:t>2/13/2021</a:t>
             </a:fld>
             <a:endParaRPr lang="en-US"/>
           </a:p>
@@ -1711,7 +1711,7 @@
           <a:p>
             <a:fld id="{DE145824-B777-4E7B-9050-A639C4604EA9}" type="datetimeFigureOut">
               <a:rPr lang="en-US" smtClean="0"/>
-              <a:t>13-Nov-18</a:t>
+              <a:t>2/13/2021</a:t>
             </a:fld>
             <a:endParaRPr lang="en-US"/>
           </a:p>
@@ -1806,7 +1806,7 @@
           <a:p>
             <a:fld id="{DE145824-B777-4E7B-9050-A639C4604EA9}" type="datetimeFigureOut">
               <a:rPr lang="en-US" smtClean="0"/>
-              <a:t>13-Nov-18</a:t>
+              <a:t>2/13/2021</a:t>
             </a:fld>
             <a:endParaRPr lang="en-US"/>
           </a:p>
@@ -2081,7 +2081,7 @@
           <a:p>
             <a:fld id="{DE145824-B777-4E7B-9050-A639C4604EA9}" type="datetimeFigureOut">
               <a:rPr lang="en-US" smtClean="0"/>
-              <a:t>13-Nov-18</a:t>
+              <a:t>2/13/2021</a:t>
             </a:fld>
             <a:endParaRPr lang="en-US"/>
           </a:p>
@@ -2333,7 +2333,7 @@
           <a:p>
             <a:fld id="{DE145824-B777-4E7B-9050-A639C4604EA9}" type="datetimeFigureOut">
               <a:rPr lang="en-US" smtClean="0"/>
-              <a:t>13-Nov-18</a:t>
+              <a:t>2/13/2021</a:t>
             </a:fld>
             <a:endParaRPr lang="en-US"/>
           </a:p>
@@ -2544,7 +2544,7 @@
           <a:p>
             <a:fld id="{DE145824-B777-4E7B-9050-A639C4604EA9}" type="datetimeFigureOut">
               <a:rPr lang="en-US" smtClean="0"/>
-              <a:t>13-Nov-18</a:t>
+              <a:t>2/13/2021</a:t>
             </a:fld>
             <a:endParaRPr lang="en-US"/>
           </a:p>
@@ -2957,7 +2957,7 @@
         </p:nvSpPr>
         <p:spPr>
           <a:xfrm flipV="1">
-            <a:off x="1692314" y="1207029"/>
+            <a:off x="2044922" y="1207029"/>
             <a:ext cx="1840055" cy="1606378"/>
           </a:xfrm>
           <a:prstGeom prst="trapezoid">
@@ -3021,7 +3021,7 @@
         </p:blipFill>
         <p:spPr>
           <a:xfrm>
-            <a:off x="1980878" y="502819"/>
+            <a:off x="2333486" y="502819"/>
             <a:ext cx="1236058" cy="875418"/>
           </a:xfrm>
           <a:prstGeom prst="rect">
@@ -3029,64 +3029,6 @@
           </a:prstGeom>
         </p:spPr>
       </p:pic>
-      <p:pic>
-        <p:nvPicPr>
-          <p:cNvPr id="6" name="Picture 5"/>
-          <p:cNvPicPr>
-            <a:picLocks noChangeAspect="1"/>
-          </p:cNvPicPr>
-          <p:nvPr/>
-        </p:nvPicPr>
-        <p:blipFill rotWithShape="1">
-          <a:blip r:embed="rId3" cstate="print">
-            <a:extLst>
-              <a:ext uri="{28A0092B-C50C-407E-A947-70E740481C1C}">
-                <a14:useLocalDpi xmlns:a14="http://schemas.microsoft.com/office/drawing/2010/main" val="0"/>
-              </a:ext>
-            </a:extLst>
-          </a:blip>
-          <a:srcRect l="5171" r="5600"/>
-          <a:stretch/>
-        </p:blipFill>
-        <p:spPr>
-          <a:xfrm>
-            <a:off x="-11666" y="513291"/>
-            <a:ext cx="762438" cy="854475"/>
-          </a:xfrm>
-          <a:prstGeom prst="rect">
-            <a:avLst/>
-          </a:prstGeom>
-        </p:spPr>
-      </p:pic>
-      <p:pic>
-        <p:nvPicPr>
-          <p:cNvPr id="8" name="Picture 7"/>
-          <p:cNvPicPr>
-            <a:picLocks noChangeAspect="1"/>
-          </p:cNvPicPr>
-          <p:nvPr/>
-        </p:nvPicPr>
-        <p:blipFill rotWithShape="1">
-          <a:blip r:embed="rId4" cstate="print">
-            <a:extLst>
-              <a:ext uri="{28A0092B-C50C-407E-A947-70E740481C1C}">
-                <a14:useLocalDpi xmlns:a14="http://schemas.microsoft.com/office/drawing/2010/main" val="0"/>
-              </a:ext>
-            </a:extLst>
-          </a:blip>
-          <a:srcRect l="60463" t="15967" r="2050" b="16139"/>
-          <a:stretch/>
-        </p:blipFill>
-        <p:spPr>
-          <a:xfrm>
-            <a:off x="4834184" y="452882"/>
-            <a:ext cx="658368" cy="1192427"/>
-          </a:xfrm>
-          <a:prstGeom prst="rect">
-            <a:avLst/>
-          </a:prstGeom>
-        </p:spPr>
-      </p:pic>
       <p:sp>
         <p:nvSpPr>
           <p:cNvPr id="9" name="TextBox 8"/>
@@ -3095,7 +3037,7 @@
         </p:nvSpPr>
         <p:spPr>
           <a:xfrm>
-            <a:off x="1744510" y="1336114"/>
+            <a:off x="2097118" y="1336114"/>
             <a:ext cx="1747162" cy="584775"/>
           </a:xfrm>
           <a:prstGeom prst="rect">
@@ -3126,7 +3068,7 @@
         </p:nvSpPr>
         <p:spPr>
           <a:xfrm>
-            <a:off x="3759561" y="1562751"/>
+            <a:off x="4112169" y="1562751"/>
             <a:ext cx="2915000" cy="892552"/>
           </a:xfrm>
           <a:prstGeom prst="rect">
@@ -3191,8 +3133,8 @@
         </p:nvSpPr>
         <p:spPr>
           <a:xfrm>
-            <a:off x="84058" y="1350552"/>
-            <a:ext cx="570990" cy="338554"/>
+            <a:off x="17955" y="1508597"/>
+            <a:ext cx="1055097" cy="338554"/>
           </a:xfrm>
           <a:prstGeom prst="rect">
             <a:avLst/>
@@ -3208,7 +3150,7 @@
             <a:pPr algn="ctr"/>
             <a:r>
               <a:rPr lang="en-US" sz="1600" dirty="0"/>
-              <a:t>User</a:t>
+              <a:t>User input</a:t>
             </a:r>
           </a:p>
         </p:txBody>
@@ -3221,7 +3163,7 @@
         </p:nvSpPr>
         <p:spPr>
           <a:xfrm>
-            <a:off x="988988" y="3334918"/>
+            <a:off x="1341596" y="3334918"/>
             <a:ext cx="1345240" cy="646331"/>
           </a:xfrm>
           <a:prstGeom prst="rect">
@@ -3254,14 +3196,14 @@
         <p:nvCxnSpPr>
           <p:cNvPr id="14" name="Straight Arrow Connector 13"/>
           <p:cNvCxnSpPr>
-            <a:stCxn id="6" idx="3"/>
+            <a:cxnSpLocks/>
             <a:endCxn id="4" idx="1"/>
           </p:cNvCxnSpPr>
           <p:nvPr/>
         </p:nvCxnSpPr>
         <p:spPr>
           <a:xfrm flipV="1">
-            <a:off x="750772" y="940528"/>
+            <a:off x="1103380" y="940528"/>
             <a:ext cx="1230106" cy="1"/>
           </a:xfrm>
           <a:prstGeom prst="straightConnector1">
@@ -3295,7 +3237,7 @@
         </p:nvSpPr>
         <p:spPr>
           <a:xfrm>
-            <a:off x="3251126" y="698993"/>
+            <a:off x="3603734" y="698993"/>
             <a:ext cx="202025" cy="211031"/>
           </a:xfrm>
           <a:prstGeom prst="ellipse">
@@ -3337,7 +3279,7 @@
         </p:nvSpPr>
         <p:spPr>
           <a:xfrm>
-            <a:off x="760704" y="2323409"/>
+            <a:off x="1113312" y="2323409"/>
             <a:ext cx="1978747" cy="584775"/>
           </a:xfrm>
           <a:prstGeom prst="rect">
@@ -3372,7 +3314,7 @@
         </p:nvGrpSpPr>
         <p:grpSpPr>
           <a:xfrm>
-            <a:off x="3453151" y="3062170"/>
+            <a:off x="3805759" y="3062170"/>
             <a:ext cx="1413497" cy="584775"/>
             <a:chOff x="8178410" y="4176984"/>
             <a:chExt cx="1413497" cy="584775"/>
@@ -3458,7 +3400,7 @@
         </p:nvSpPr>
         <p:spPr>
           <a:xfrm>
-            <a:off x="615357" y="2374138"/>
+            <a:off x="967965" y="2374138"/>
             <a:ext cx="202025" cy="211031"/>
           </a:xfrm>
           <a:prstGeom prst="ellipse">
@@ -3500,7 +3442,7 @@
         </p:nvSpPr>
         <p:spPr>
           <a:xfrm>
-            <a:off x="3394089" y="642918"/>
+            <a:off x="3746697" y="642918"/>
             <a:ext cx="1267078" cy="584775"/>
           </a:xfrm>
           <a:prstGeom prst="rect">
@@ -3535,7 +3477,7 @@
         </p:nvGrpSpPr>
         <p:grpSpPr>
           <a:xfrm>
-            <a:off x="4351597" y="139957"/>
+            <a:off x="4984511" y="453169"/>
             <a:ext cx="1458767" cy="338554"/>
             <a:chOff x="8178410" y="4171304"/>
             <a:chExt cx="1458767" cy="338554"/>
@@ -3616,12 +3558,14 @@
       <p:cxnSp>
         <p:nvCxnSpPr>
           <p:cNvPr id="47" name="Straight Arrow Connector 46"/>
-          <p:cNvCxnSpPr/>
+          <p:cNvCxnSpPr>
+            <a:cxnSpLocks/>
+          </p:cNvCxnSpPr>
           <p:nvPr/>
         </p:nvCxnSpPr>
         <p:spPr>
           <a:xfrm>
-            <a:off x="3215192" y="940528"/>
+            <a:off x="3567800" y="940528"/>
             <a:ext cx="1448259" cy="0"/>
           </a:xfrm>
           <a:prstGeom prst="straightConnector1">
@@ -3655,7 +3599,7 @@
         </p:nvGrpSpPr>
         <p:grpSpPr>
           <a:xfrm>
-            <a:off x="2945388" y="2560192"/>
+            <a:off x="3297996" y="2560192"/>
             <a:ext cx="2253908" cy="797904"/>
             <a:chOff x="2945388" y="1818079"/>
             <a:chExt cx="2435504" cy="1641639"/>
@@ -3738,7 +3682,7 @@
         </p:nvGrpSpPr>
         <p:grpSpPr>
           <a:xfrm>
-            <a:off x="2264927" y="2602430"/>
+            <a:off x="2617535" y="2602430"/>
             <a:ext cx="680461" cy="1440243"/>
             <a:chOff x="2264927" y="2772439"/>
             <a:chExt cx="615614" cy="1171315"/>
@@ -3753,7 +3697,7 @@
             <p:nvPr/>
           </p:nvPicPr>
           <p:blipFill rotWithShape="1">
-            <a:blip r:embed="rId5" cstate="print">
+            <a:blip r:embed="rId3" cstate="print">
               <a:extLst>
                 <a:ext uri="{28A0092B-C50C-407E-A947-70E740481C1C}">
                   <a14:useLocalDpi xmlns:a14="http://schemas.microsoft.com/office/drawing/2010/main" val="0"/>
@@ -3782,7 +3726,7 @@
             <p:nvPr/>
           </p:nvPicPr>
           <p:blipFill rotWithShape="1">
-            <a:blip r:embed="rId6" cstate="print">
+            <a:blip r:embed="rId4" cstate="print">
               <a:extLst>
                 <a:ext uri="{28A0092B-C50C-407E-A947-70E740481C1C}">
                   <a14:useLocalDpi xmlns:a14="http://schemas.microsoft.com/office/drawing/2010/main" val="0"/>
@@ -3811,7 +3755,7 @@
         </p:nvSpPr>
         <p:spPr>
           <a:xfrm>
-            <a:off x="2317961" y="3462762"/>
+            <a:off x="2670569" y="3462762"/>
             <a:ext cx="567742" cy="411010"/>
           </a:xfrm>
           <a:prstGeom prst="rect">
@@ -3852,7 +3796,7 @@
           <p:nvPr/>
         </p:nvPicPr>
         <p:blipFill>
-          <a:blip r:embed="rId7" cstate="print">
+          <a:blip r:embed="rId5" cstate="print">
             <a:extLst>
               <a:ext uri="{28A0092B-C50C-407E-A947-70E740481C1C}">
                 <a14:useLocalDpi xmlns:a14="http://schemas.microsoft.com/office/drawing/2010/main" val="0"/>
@@ -3865,7 +3809,7 @@
         </p:blipFill>
         <p:spPr>
           <a:xfrm rot="19738441">
-            <a:off x="2564538" y="3483876"/>
+            <a:off x="2917146" y="3483876"/>
             <a:ext cx="358006" cy="358006"/>
           </a:xfrm>
           <a:prstGeom prst="rect">
@@ -3882,7 +3826,7 @@
           <p:nvPr/>
         </p:nvPicPr>
         <p:blipFill>
-          <a:blip r:embed="rId8" cstate="print">
+          <a:blip r:embed="rId6" cstate="print">
             <a:extLst>
               <a:ext uri="{28A0092B-C50C-407E-A947-70E740481C1C}">
                 <a14:useLocalDpi xmlns:a14="http://schemas.microsoft.com/office/drawing/2010/main" val="0"/>
@@ -3895,7 +3839,7 @@
         </p:blipFill>
         <p:spPr>
           <a:xfrm rot="2477063" flipH="1">
-            <a:off x="2289952" y="3466553"/>
+            <a:off x="2642560" y="3466553"/>
             <a:ext cx="374183" cy="381656"/>
           </a:xfrm>
           <a:prstGeom prst="rect">
@@ -3911,10 +3855,10 @@
         </p:nvGrpSpPr>
         <p:grpSpPr>
           <a:xfrm>
-            <a:off x="927925" y="637294"/>
-            <a:ext cx="852001" cy="584775"/>
+            <a:off x="1150067" y="547764"/>
+            <a:ext cx="1201840" cy="338554"/>
             <a:chOff x="8180074" y="4125864"/>
-            <a:chExt cx="852001" cy="584775"/>
+            <a:chExt cx="1201840" cy="338554"/>
           </a:xfrm>
         </p:grpSpPr>
         <p:sp>
@@ -3968,7 +3912,7 @@
           <p:spPr>
             <a:xfrm>
               <a:off x="8324830" y="4125864"/>
-              <a:ext cx="707245" cy="584775"/>
+              <a:ext cx="1057084" cy="338554"/>
             </a:xfrm>
             <a:prstGeom prst="rect">
               <a:avLst/>
@@ -3983,18 +3927,261 @@
             <a:p>
               <a:r>
                 <a:rPr lang="en-US" sz="1600" dirty="0"/>
-                <a:t>Inputs</a:t>
-              </a:r>
-            </a:p>
-            <a:p>
-              <a:r>
-                <a:rPr lang="en-US" sz="1600" dirty="0"/>
-                <a:t>data</a:t>
+                <a:t>keystrokes</a:t>
               </a:r>
             </a:p>
           </p:txBody>
         </p:sp>
       </p:grpSp>
+      <p:pic>
+        <p:nvPicPr>
+          <p:cNvPr id="34" name="Picture 33">
+            <a:extLst>
+              <a:ext uri="{FF2B5EF4-FFF2-40B4-BE49-F238E27FC236}">
+                <a16:creationId xmlns:a16="http://schemas.microsoft.com/office/drawing/2014/main" id="{1677A0EF-83DE-4CEB-B5F9-D8BCABA60924}"/>
+              </a:ext>
+            </a:extLst>
+          </p:cNvPr>
+          <p:cNvPicPr>
+            <a:picLocks noChangeAspect="1"/>
+          </p:cNvPicPr>
+          <p:nvPr/>
+        </p:nvPicPr>
+        <p:blipFill rotWithShape="1">
+          <a:blip r:embed="rId7" cstate="print">
+            <a:extLst>
+              <a:ext uri="{28A0092B-C50C-407E-A947-70E740481C1C}">
+                <a14:useLocalDpi xmlns:a14="http://schemas.microsoft.com/office/drawing/2010/main" val="0"/>
+              </a:ext>
+            </a:extLst>
+          </a:blip>
+          <a:srcRect t="24594"/>
+          <a:stretch/>
+        </p:blipFill>
+        <p:spPr>
+          <a:xfrm>
+            <a:off x="30262" y="701125"/>
+            <a:ext cx="1070834" cy="807472"/>
+          </a:xfrm>
+          <a:prstGeom prst="rect">
+            <a:avLst/>
+          </a:prstGeom>
+        </p:spPr>
+      </p:pic>
+      <p:pic>
+        <p:nvPicPr>
+          <p:cNvPr id="35" name="Picture 34">
+            <a:extLst>
+              <a:ext uri="{FF2B5EF4-FFF2-40B4-BE49-F238E27FC236}">
+                <a16:creationId xmlns:a16="http://schemas.microsoft.com/office/drawing/2014/main" id="{A6BD8E98-9D02-4302-A0DC-27431BE3C728}"/>
+              </a:ext>
+            </a:extLst>
+          </p:cNvPr>
+          <p:cNvPicPr>
+            <a:picLocks noChangeAspect="1"/>
+          </p:cNvPicPr>
+          <p:nvPr/>
+        </p:nvPicPr>
+        <p:blipFill>
+          <a:blip r:embed="rId8" cstate="print">
+            <a:extLst>
+              <a:ext uri="{28A0092B-C50C-407E-A947-70E740481C1C}">
+                <a14:useLocalDpi xmlns:a14="http://schemas.microsoft.com/office/drawing/2010/main" val="0"/>
+              </a:ext>
+            </a:extLst>
+          </a:blip>
+          <a:stretch>
+            <a:fillRect/>
+          </a:stretch>
+        </p:blipFill>
+        <p:spPr>
+          <a:xfrm>
+            <a:off x="5154260" y="820234"/>
+            <a:ext cx="773590" cy="773590"/>
+          </a:xfrm>
+          <a:prstGeom prst="rect">
+            <a:avLst/>
+          </a:prstGeom>
+        </p:spPr>
+      </p:pic>
+      <p:pic>
+        <p:nvPicPr>
+          <p:cNvPr id="40" name="Picture 39">
+            <a:extLst>
+              <a:ext uri="{FF2B5EF4-FFF2-40B4-BE49-F238E27FC236}">
+                <a16:creationId xmlns:a16="http://schemas.microsoft.com/office/drawing/2014/main" id="{3A9ED37E-0445-4A81-9844-7CD48EA8E4E7}"/>
+              </a:ext>
+            </a:extLst>
+          </p:cNvPr>
+          <p:cNvPicPr>
+            <a:picLocks noChangeAspect="1"/>
+          </p:cNvPicPr>
+          <p:nvPr/>
+        </p:nvPicPr>
+        <p:blipFill>
+          <a:blip r:embed="rId9" cstate="print">
+            <a:extLst>
+              <a:ext uri="{28A0092B-C50C-407E-A947-70E740481C1C}">
+                <a14:useLocalDpi xmlns:a14="http://schemas.microsoft.com/office/drawing/2010/main" val="0"/>
+              </a:ext>
+            </a:extLst>
+          </a:blip>
+          <a:stretch>
+            <a:fillRect/>
+          </a:stretch>
+        </p:blipFill>
+        <p:spPr>
+          <a:xfrm>
+            <a:off x="4180270" y="328325"/>
+            <a:ext cx="370668" cy="370668"/>
+          </a:xfrm>
+          <a:prstGeom prst="rect">
+            <a:avLst/>
+          </a:prstGeom>
+        </p:spPr>
+      </p:pic>
+      <p:pic>
+        <p:nvPicPr>
+          <p:cNvPr id="46" name="Picture 45">
+            <a:extLst>
+              <a:ext uri="{FF2B5EF4-FFF2-40B4-BE49-F238E27FC236}">
+                <a16:creationId xmlns:a16="http://schemas.microsoft.com/office/drawing/2014/main" id="{46FFA281-25C0-4CD4-9990-2E9FF59E7C1D}"/>
+              </a:ext>
+            </a:extLst>
+          </p:cNvPr>
+          <p:cNvPicPr>
+            <a:picLocks noChangeAspect="1"/>
+          </p:cNvPicPr>
+          <p:nvPr/>
+        </p:nvPicPr>
+        <p:blipFill>
+          <a:blip r:embed="rId10" cstate="print">
+            <a:extLst>
+              <a:ext uri="{28A0092B-C50C-407E-A947-70E740481C1C}">
+                <a14:useLocalDpi xmlns:a14="http://schemas.microsoft.com/office/drawing/2010/main" val="0"/>
+              </a:ext>
+            </a:extLst>
+          </a:blip>
+          <a:stretch>
+            <a:fillRect/>
+          </a:stretch>
+        </p:blipFill>
+        <p:spPr>
+          <a:xfrm>
+            <a:off x="4206776" y="2757158"/>
+            <a:ext cx="370668" cy="370668"/>
+          </a:xfrm>
+          <a:prstGeom prst="rect">
+            <a:avLst/>
+          </a:prstGeom>
+        </p:spPr>
+      </p:pic>
+      <p:pic>
+        <p:nvPicPr>
+          <p:cNvPr id="49" name="Picture 48">
+            <a:extLst>
+              <a:ext uri="{FF2B5EF4-FFF2-40B4-BE49-F238E27FC236}">
+                <a16:creationId xmlns:a16="http://schemas.microsoft.com/office/drawing/2014/main" id="{8A568969-224C-477C-AF48-F50355CC326C}"/>
+              </a:ext>
+            </a:extLst>
+          </p:cNvPr>
+          <p:cNvPicPr>
+            <a:picLocks noChangeAspect="1"/>
+          </p:cNvPicPr>
+          <p:nvPr/>
+        </p:nvPicPr>
+        <p:blipFill>
+          <a:blip r:embed="rId10" cstate="print">
+            <a:extLst>
+              <a:ext uri="{28A0092B-C50C-407E-A947-70E740481C1C}">
+                <a14:useLocalDpi xmlns:a14="http://schemas.microsoft.com/office/drawing/2010/main" val="0"/>
+              </a:ext>
+            </a:extLst>
+          </a:blip>
+          <a:stretch>
+            <a:fillRect/>
+          </a:stretch>
+        </p:blipFill>
+        <p:spPr>
+          <a:xfrm>
+            <a:off x="5752653" y="111659"/>
+            <a:ext cx="370668" cy="370668"/>
+          </a:xfrm>
+          <a:prstGeom prst="rect">
+            <a:avLst/>
+          </a:prstGeom>
+        </p:spPr>
+      </p:pic>
+      <p:pic>
+        <p:nvPicPr>
+          <p:cNvPr id="50" name="Picture 49">
+            <a:extLst>
+              <a:ext uri="{FF2B5EF4-FFF2-40B4-BE49-F238E27FC236}">
+                <a16:creationId xmlns:a16="http://schemas.microsoft.com/office/drawing/2014/main" id="{8E06B829-5155-4D2E-ADC3-F63C6E205994}"/>
+              </a:ext>
+            </a:extLst>
+          </p:cNvPr>
+          <p:cNvPicPr>
+            <a:picLocks noChangeAspect="1"/>
+          </p:cNvPicPr>
+          <p:nvPr/>
+        </p:nvPicPr>
+        <p:blipFill>
+          <a:blip r:embed="rId9" cstate="print">
+            <a:extLst>
+              <a:ext uri="{28A0092B-C50C-407E-A947-70E740481C1C}">
+                <a14:useLocalDpi xmlns:a14="http://schemas.microsoft.com/office/drawing/2010/main" val="0"/>
+              </a:ext>
+            </a:extLst>
+          </a:blip>
+          <a:stretch>
+            <a:fillRect/>
+          </a:stretch>
+        </p:blipFill>
+        <p:spPr>
+          <a:xfrm>
+            <a:off x="5112342" y="111794"/>
+            <a:ext cx="370668" cy="370668"/>
+          </a:xfrm>
+          <a:prstGeom prst="rect">
+            <a:avLst/>
+          </a:prstGeom>
+        </p:spPr>
+      </p:pic>
+      <p:sp>
+        <p:nvSpPr>
+          <p:cNvPr id="52" name="Rectangle 51">
+            <a:extLst>
+              <a:ext uri="{FF2B5EF4-FFF2-40B4-BE49-F238E27FC236}">
+                <a16:creationId xmlns:a16="http://schemas.microsoft.com/office/drawing/2014/main" id="{9139F4F6-03E3-4E7D-AA5C-A234D9693F4F}"/>
+              </a:ext>
+            </a:extLst>
+          </p:cNvPr>
+          <p:cNvSpPr/>
+          <p:nvPr/>
+        </p:nvSpPr>
+        <p:spPr>
+          <a:xfrm>
+            <a:off x="5435731" y="136950"/>
+            <a:ext cx="364202" cy="307777"/>
+          </a:xfrm>
+          <a:prstGeom prst="rect">
+            <a:avLst/>
+          </a:prstGeom>
+        </p:spPr>
+        <p:txBody>
+          <a:bodyPr wrap="none">
+            <a:spAutoFit/>
+          </a:bodyPr>
+          <a:lstStyle/>
+          <a:p>
+            <a:r>
+              <a:rPr lang="en-US" sz="1400" dirty="0"/>
+              <a:t>==</a:t>
+            </a:r>
+          </a:p>
+        </p:txBody>
+      </p:sp>
     </p:spTree>
     <p:extLst>
       <p:ext uri="{BB962C8B-B14F-4D97-AF65-F5344CB8AC3E}">

--- a/chapters/IntegriScreen/img/systemModel.pptx
+++ b/chapters/IntegriScreen/img/systemModel.pptx
@@ -6,7 +6,6 @@
   </p:sldMasterIdLst>
   <p:sldIdLst>
     <p:sldId id="259" r:id="rId2"/>
-    <p:sldId id="265" r:id="rId3"/>
   </p:sldIdLst>
   <p:sldSz cx="12192000" cy="6858000"/>
   <p:notesSz cx="6858000" cy="9144000"/>
@@ -113,6 +112,14 @@
 </p:presentation>
 </file>
 
+<file path=ppt/revisionInfo.xml><?xml version="1.0" encoding="utf-8"?>
+<p1510:revInfo xmlns:a="http://schemas.openxmlformats.org/drawingml/2006/main" xmlns:r="http://schemas.openxmlformats.org/officeDocument/2006/relationships" xmlns:p1510="http://schemas.microsoft.com/office/powerpoint/2015/10/main">
+  <p1510:revLst>
+    <p1510:client id="{45C6E9D8-76D2-4407-9186-CA4ECADE9313}" v="1" dt="2019-06-04T09:11:13.635"/>
+  </p1510:revLst>
+</p1510:revInfo>
+</file>
+
 <file path=ppt/slideLayouts/slideLayout1.xml><?xml version="1.0" encoding="utf-8"?>
 <p:sldLayout xmlns:a="http://schemas.openxmlformats.org/drawingml/2006/main" xmlns:r="http://schemas.openxmlformats.org/officeDocument/2006/relationships" xmlns:p="http://schemas.openxmlformats.org/presentationml/2006/main" type="title" preserve="1">
   <p:cSld name="Title Slide">
@@ -242,7 +249,7 @@
           <a:p>
             <a:fld id="{DE145824-B777-4E7B-9050-A639C4604EA9}" type="datetimeFigureOut">
               <a:rPr lang="en-US" smtClean="0"/>
-              <a:t>2/13/2021</a:t>
+              <a:t>6/4/2019</a:t>
             </a:fld>
             <a:endParaRPr lang="en-US"/>
           </a:p>
@@ -410,7 +417,7 @@
           <a:p>
             <a:fld id="{DE145824-B777-4E7B-9050-A639C4604EA9}" type="datetimeFigureOut">
               <a:rPr lang="en-US" smtClean="0"/>
-              <a:t>2/13/2021</a:t>
+              <a:t>6/4/2019</a:t>
             </a:fld>
             <a:endParaRPr lang="en-US"/>
           </a:p>
@@ -588,7 +595,7 @@
           <a:p>
             <a:fld id="{DE145824-B777-4E7B-9050-A639C4604EA9}" type="datetimeFigureOut">
               <a:rPr lang="en-US" smtClean="0"/>
-              <a:t>2/13/2021</a:t>
+              <a:t>6/4/2019</a:t>
             </a:fld>
             <a:endParaRPr lang="en-US"/>
           </a:p>
@@ -756,7 +763,7 @@
           <a:p>
             <a:fld id="{DE145824-B777-4E7B-9050-A639C4604EA9}" type="datetimeFigureOut">
               <a:rPr lang="en-US" smtClean="0"/>
-              <a:t>2/13/2021</a:t>
+              <a:t>6/4/2019</a:t>
             </a:fld>
             <a:endParaRPr lang="en-US"/>
           </a:p>
@@ -1001,7 +1008,7 @@
           <a:p>
             <a:fld id="{DE145824-B777-4E7B-9050-A639C4604EA9}" type="datetimeFigureOut">
               <a:rPr lang="en-US" smtClean="0"/>
-              <a:t>2/13/2021</a:t>
+              <a:t>6/4/2019</a:t>
             </a:fld>
             <a:endParaRPr lang="en-US"/>
           </a:p>
@@ -1230,7 +1237,7 @@
           <a:p>
             <a:fld id="{DE145824-B777-4E7B-9050-A639C4604EA9}" type="datetimeFigureOut">
               <a:rPr lang="en-US" smtClean="0"/>
-              <a:t>2/13/2021</a:t>
+              <a:t>6/4/2019</a:t>
             </a:fld>
             <a:endParaRPr lang="en-US"/>
           </a:p>
@@ -1594,7 +1601,7 @@
           <a:p>
             <a:fld id="{DE145824-B777-4E7B-9050-A639C4604EA9}" type="datetimeFigureOut">
               <a:rPr lang="en-US" smtClean="0"/>
-              <a:t>2/13/2021</a:t>
+              <a:t>6/4/2019</a:t>
             </a:fld>
             <a:endParaRPr lang="en-US"/>
           </a:p>
@@ -1711,7 +1718,7 @@
           <a:p>
             <a:fld id="{DE145824-B777-4E7B-9050-A639C4604EA9}" type="datetimeFigureOut">
               <a:rPr lang="en-US" smtClean="0"/>
-              <a:t>2/13/2021</a:t>
+              <a:t>6/4/2019</a:t>
             </a:fld>
             <a:endParaRPr lang="en-US"/>
           </a:p>
@@ -1806,7 +1813,7 @@
           <a:p>
             <a:fld id="{DE145824-B777-4E7B-9050-A639C4604EA9}" type="datetimeFigureOut">
               <a:rPr lang="en-US" smtClean="0"/>
-              <a:t>2/13/2021</a:t>
+              <a:t>6/4/2019</a:t>
             </a:fld>
             <a:endParaRPr lang="en-US"/>
           </a:p>
@@ -2081,7 +2088,7 @@
           <a:p>
             <a:fld id="{DE145824-B777-4E7B-9050-A639C4604EA9}" type="datetimeFigureOut">
               <a:rPr lang="en-US" smtClean="0"/>
-              <a:t>2/13/2021</a:t>
+              <a:t>6/4/2019</a:t>
             </a:fld>
             <a:endParaRPr lang="en-US"/>
           </a:p>
@@ -2333,7 +2340,7 @@
           <a:p>
             <a:fld id="{DE145824-B777-4E7B-9050-A639C4604EA9}" type="datetimeFigureOut">
               <a:rPr lang="en-US" smtClean="0"/>
-              <a:t>2/13/2021</a:t>
+              <a:t>6/4/2019</a:t>
             </a:fld>
             <a:endParaRPr lang="en-US"/>
           </a:p>
@@ -2544,7 +2551,7 @@
           <a:p>
             <a:fld id="{DE145824-B777-4E7B-9050-A639C4604EA9}" type="datetimeFigureOut">
               <a:rPr lang="en-US" smtClean="0"/>
-              <a:t>2/13/2021</a:t>
+              <a:t>6/4/2019</a:t>
             </a:fld>
             <a:endParaRPr lang="en-US"/>
           </a:p>
@@ -2957,7 +2964,7 @@
         </p:nvSpPr>
         <p:spPr>
           <a:xfrm flipV="1">
-            <a:off x="2044922" y="1207029"/>
+            <a:off x="1692314" y="1207029"/>
             <a:ext cx="1840055" cy="1606378"/>
           </a:xfrm>
           <a:prstGeom prst="trapezoid">
@@ -3021,7 +3028,7 @@
         </p:blipFill>
         <p:spPr>
           <a:xfrm>
-            <a:off x="2333486" y="502819"/>
+            <a:off x="1980878" y="502819"/>
             <a:ext cx="1236058" cy="875418"/>
           </a:xfrm>
           <a:prstGeom prst="rect">
@@ -3029,6 +3036,64 @@
           </a:prstGeom>
         </p:spPr>
       </p:pic>
+      <p:pic>
+        <p:nvPicPr>
+          <p:cNvPr id="6" name="Picture 5"/>
+          <p:cNvPicPr>
+            <a:picLocks noChangeAspect="1"/>
+          </p:cNvPicPr>
+          <p:nvPr/>
+        </p:nvPicPr>
+        <p:blipFill rotWithShape="1">
+          <a:blip r:embed="rId3" cstate="print">
+            <a:extLst>
+              <a:ext uri="{28A0092B-C50C-407E-A947-70E740481C1C}">
+                <a14:useLocalDpi xmlns:a14="http://schemas.microsoft.com/office/drawing/2010/main" val="0"/>
+              </a:ext>
+            </a:extLst>
+          </a:blip>
+          <a:srcRect l="5171" r="5600"/>
+          <a:stretch/>
+        </p:blipFill>
+        <p:spPr>
+          <a:xfrm>
+            <a:off x="-11666" y="513291"/>
+            <a:ext cx="762438" cy="854475"/>
+          </a:xfrm>
+          <a:prstGeom prst="rect">
+            <a:avLst/>
+          </a:prstGeom>
+        </p:spPr>
+      </p:pic>
+      <p:pic>
+        <p:nvPicPr>
+          <p:cNvPr id="8" name="Picture 7"/>
+          <p:cNvPicPr>
+            <a:picLocks noChangeAspect="1"/>
+          </p:cNvPicPr>
+          <p:nvPr/>
+        </p:nvPicPr>
+        <p:blipFill rotWithShape="1">
+          <a:blip r:embed="rId4" cstate="print">
+            <a:extLst>
+              <a:ext uri="{28A0092B-C50C-407E-A947-70E740481C1C}">
+                <a14:useLocalDpi xmlns:a14="http://schemas.microsoft.com/office/drawing/2010/main" val="0"/>
+              </a:ext>
+            </a:extLst>
+          </a:blip>
+          <a:srcRect l="60463" t="15967" r="2050" b="16139"/>
+          <a:stretch/>
+        </p:blipFill>
+        <p:spPr>
+          <a:xfrm>
+            <a:off x="4834184" y="452882"/>
+            <a:ext cx="658368" cy="1192427"/>
+          </a:xfrm>
+          <a:prstGeom prst="rect">
+            <a:avLst/>
+          </a:prstGeom>
+        </p:spPr>
+      </p:pic>
       <p:sp>
         <p:nvSpPr>
           <p:cNvPr id="9" name="TextBox 8"/>
@@ -3037,7 +3102,7 @@
         </p:nvSpPr>
         <p:spPr>
           <a:xfrm>
-            <a:off x="2097118" y="1336114"/>
+            <a:off x="1744510" y="1336114"/>
             <a:ext cx="1747162" cy="584775"/>
           </a:xfrm>
           <a:prstGeom prst="rect">
@@ -3068,7 +3133,7 @@
         </p:nvSpPr>
         <p:spPr>
           <a:xfrm>
-            <a:off x="4112169" y="1562751"/>
+            <a:off x="3759561" y="1562751"/>
             <a:ext cx="2915000" cy="892552"/>
           </a:xfrm>
           <a:prstGeom prst="rect">
@@ -3133,8 +3198,8 @@
         </p:nvSpPr>
         <p:spPr>
           <a:xfrm>
-            <a:off x="17955" y="1508597"/>
-            <a:ext cx="1055097" cy="338554"/>
+            <a:off x="84058" y="1350552"/>
+            <a:ext cx="570990" cy="338554"/>
           </a:xfrm>
           <a:prstGeom prst="rect">
             <a:avLst/>
@@ -3150,7 +3215,7 @@
             <a:pPr algn="ctr"/>
             <a:r>
               <a:rPr lang="en-US" sz="1600" dirty="0"/>
-              <a:t>User input</a:t>
+              <a:t>User</a:t>
             </a:r>
           </a:p>
         </p:txBody>
@@ -3163,7 +3228,7 @@
         </p:nvSpPr>
         <p:spPr>
           <a:xfrm>
-            <a:off x="1341596" y="3334918"/>
+            <a:off x="909740" y="3334918"/>
             <a:ext cx="1345240" cy="646331"/>
           </a:xfrm>
           <a:prstGeom prst="rect">
@@ -3196,14 +3261,14 @@
         <p:nvCxnSpPr>
           <p:cNvPr id="14" name="Straight Arrow Connector 13"/>
           <p:cNvCxnSpPr>
-            <a:cxnSpLocks/>
+            <a:stCxn id="6" idx="3"/>
             <a:endCxn id="4" idx="1"/>
           </p:cNvCxnSpPr>
           <p:nvPr/>
         </p:nvCxnSpPr>
         <p:spPr>
           <a:xfrm flipV="1">
-            <a:off x="1103380" y="940528"/>
+            <a:off x="750772" y="940528"/>
             <a:ext cx="1230106" cy="1"/>
           </a:xfrm>
           <a:prstGeom prst="straightConnector1">
@@ -3237,7 +3302,7 @@
         </p:nvSpPr>
         <p:spPr>
           <a:xfrm>
-            <a:off x="3603734" y="698993"/>
+            <a:off x="3251126" y="698993"/>
             <a:ext cx="202025" cy="211031"/>
           </a:xfrm>
           <a:prstGeom prst="ellipse">
@@ -3279,7 +3344,7 @@
         </p:nvSpPr>
         <p:spPr>
           <a:xfrm>
-            <a:off x="1113312" y="2323409"/>
+            <a:off x="760704" y="2323409"/>
             <a:ext cx="1978747" cy="584775"/>
           </a:xfrm>
           <a:prstGeom prst="rect">
@@ -3314,7 +3379,7 @@
         </p:nvGrpSpPr>
         <p:grpSpPr>
           <a:xfrm>
-            <a:off x="3805759" y="3062170"/>
+            <a:off x="3453151" y="3062170"/>
             <a:ext cx="1413497" cy="584775"/>
             <a:chOff x="8178410" y="4176984"/>
             <a:chExt cx="1413497" cy="584775"/>
@@ -3400,7 +3465,7 @@
         </p:nvSpPr>
         <p:spPr>
           <a:xfrm>
-            <a:off x="967965" y="2374138"/>
+            <a:off x="615357" y="2374138"/>
             <a:ext cx="202025" cy="211031"/>
           </a:xfrm>
           <a:prstGeom prst="ellipse">
@@ -3442,7 +3507,7 @@
         </p:nvSpPr>
         <p:spPr>
           <a:xfrm>
-            <a:off x="3746697" y="642918"/>
+            <a:off x="3394089" y="642918"/>
             <a:ext cx="1267078" cy="584775"/>
           </a:xfrm>
           <a:prstGeom prst="rect">
@@ -3477,7 +3542,7 @@
         </p:nvGrpSpPr>
         <p:grpSpPr>
           <a:xfrm>
-            <a:off x="4984511" y="453169"/>
+            <a:off x="4351597" y="139957"/>
             <a:ext cx="1458767" cy="338554"/>
             <a:chOff x="8178410" y="4171304"/>
             <a:chExt cx="1458767" cy="338554"/>
@@ -3558,14 +3623,12 @@
       <p:cxnSp>
         <p:nvCxnSpPr>
           <p:cNvPr id="47" name="Straight Arrow Connector 46"/>
-          <p:cNvCxnSpPr>
-            <a:cxnSpLocks/>
-          </p:cNvCxnSpPr>
+          <p:cNvCxnSpPr/>
           <p:nvPr/>
         </p:nvCxnSpPr>
         <p:spPr>
           <a:xfrm>
-            <a:off x="3567800" y="940528"/>
+            <a:off x="3215192" y="940528"/>
             <a:ext cx="1448259" cy="0"/>
           </a:xfrm>
           <a:prstGeom prst="straightConnector1">
@@ -3599,7 +3662,7 @@
         </p:nvGrpSpPr>
         <p:grpSpPr>
           <a:xfrm>
-            <a:off x="3297996" y="2560192"/>
+            <a:off x="2945388" y="2560192"/>
             <a:ext cx="2253908" cy="797904"/>
             <a:chOff x="2945388" y="1818079"/>
             <a:chExt cx="2435504" cy="1641639"/>
@@ -3682,7 +3745,7 @@
         </p:nvGrpSpPr>
         <p:grpSpPr>
           <a:xfrm>
-            <a:off x="2617535" y="2602430"/>
+            <a:off x="2264927" y="2602430"/>
             <a:ext cx="680461" cy="1440243"/>
             <a:chOff x="2264927" y="2772439"/>
             <a:chExt cx="615614" cy="1171315"/>
@@ -3697,7 +3760,7 @@
             <p:nvPr/>
           </p:nvPicPr>
           <p:blipFill rotWithShape="1">
-            <a:blip r:embed="rId3" cstate="print">
+            <a:blip r:embed="rId5" cstate="print">
               <a:extLst>
                 <a:ext uri="{28A0092B-C50C-407E-A947-70E740481C1C}">
                   <a14:useLocalDpi xmlns:a14="http://schemas.microsoft.com/office/drawing/2010/main" val="0"/>
@@ -3726,7 +3789,7 @@
             <p:nvPr/>
           </p:nvPicPr>
           <p:blipFill rotWithShape="1">
-            <a:blip r:embed="rId4" cstate="print">
+            <a:blip r:embed="rId6" cstate="print">
               <a:extLst>
                 <a:ext uri="{28A0092B-C50C-407E-A947-70E740481C1C}">
                   <a14:useLocalDpi xmlns:a14="http://schemas.microsoft.com/office/drawing/2010/main" val="0"/>
@@ -3755,7 +3818,7 @@
         </p:nvSpPr>
         <p:spPr>
           <a:xfrm>
-            <a:off x="2670569" y="3462762"/>
+            <a:off x="2317961" y="3462762"/>
             <a:ext cx="567742" cy="411010"/>
           </a:xfrm>
           <a:prstGeom prst="rect">
@@ -3796,7 +3859,7 @@
           <p:nvPr/>
         </p:nvPicPr>
         <p:blipFill>
-          <a:blip r:embed="rId5" cstate="print">
+          <a:blip r:embed="rId7" cstate="print">
             <a:extLst>
               <a:ext uri="{28A0092B-C50C-407E-A947-70E740481C1C}">
                 <a14:useLocalDpi xmlns:a14="http://schemas.microsoft.com/office/drawing/2010/main" val="0"/>
@@ -3809,7 +3872,7 @@
         </p:blipFill>
         <p:spPr>
           <a:xfrm rot="19738441">
-            <a:off x="2917146" y="3483876"/>
+            <a:off x="2564538" y="3483876"/>
             <a:ext cx="358006" cy="358006"/>
           </a:xfrm>
           <a:prstGeom prst="rect">
@@ -3826,7 +3889,7 @@
           <p:nvPr/>
         </p:nvPicPr>
         <p:blipFill>
-          <a:blip r:embed="rId6" cstate="print">
+          <a:blip r:embed="rId8" cstate="print">
             <a:extLst>
               <a:ext uri="{28A0092B-C50C-407E-A947-70E740481C1C}">
                 <a14:useLocalDpi xmlns:a14="http://schemas.microsoft.com/office/drawing/2010/main" val="0"/>
@@ -3839,7 +3902,7 @@
         </p:blipFill>
         <p:spPr>
           <a:xfrm rot="2477063" flipH="1">
-            <a:off x="2642560" y="3466553"/>
+            <a:off x="2289952" y="3466553"/>
             <a:ext cx="374183" cy="381656"/>
           </a:xfrm>
           <a:prstGeom prst="rect">
@@ -3855,10 +3918,10 @@
         </p:nvGrpSpPr>
         <p:grpSpPr>
           <a:xfrm>
-            <a:off x="1150067" y="547764"/>
-            <a:ext cx="1201840" cy="338554"/>
+            <a:off x="927925" y="637294"/>
+            <a:ext cx="852001" cy="584775"/>
             <a:chOff x="8180074" y="4125864"/>
-            <a:chExt cx="1201840" cy="338554"/>
+            <a:chExt cx="852001" cy="584775"/>
           </a:xfrm>
         </p:grpSpPr>
         <p:sp>
@@ -3912,7 +3975,7 @@
           <p:spPr>
             <a:xfrm>
               <a:off x="8324830" y="4125864"/>
-              <a:ext cx="1057084" cy="338554"/>
+              <a:ext cx="707245" cy="584775"/>
             </a:xfrm>
             <a:prstGeom prst="rect">
               <a:avLst/>
@@ -3927,7 +3990,13 @@
             <a:p>
               <a:r>
                 <a:rPr lang="en-US" sz="1600" dirty="0"/>
-                <a:t>keystrokes</a:t>
+                <a:t>Inputs</a:t>
+              </a:r>
+            </a:p>
+            <a:p>
+              <a:r>
+                <a:rPr lang="en-US" sz="1600" dirty="0"/>
+                <a:t>data</a:t>
               </a:r>
             </a:p>
           </p:txBody>
@@ -3935,45 +4004,10 @@
       </p:grpSp>
       <p:pic>
         <p:nvPicPr>
-          <p:cNvPr id="34" name="Picture 33">
+          <p:cNvPr id="13" name="Picture 14">
             <a:extLst>
               <a:ext uri="{FF2B5EF4-FFF2-40B4-BE49-F238E27FC236}">
-                <a16:creationId xmlns:a16="http://schemas.microsoft.com/office/drawing/2014/main" id="{1677A0EF-83DE-4CEB-B5F9-D8BCABA60924}"/>
-              </a:ext>
-            </a:extLst>
-          </p:cNvPr>
-          <p:cNvPicPr>
-            <a:picLocks noChangeAspect="1"/>
-          </p:cNvPicPr>
-          <p:nvPr/>
-        </p:nvPicPr>
-        <p:blipFill rotWithShape="1">
-          <a:blip r:embed="rId7" cstate="print">
-            <a:extLst>
-              <a:ext uri="{28A0092B-C50C-407E-A947-70E740481C1C}">
-                <a14:useLocalDpi xmlns:a14="http://schemas.microsoft.com/office/drawing/2010/main" val="0"/>
-              </a:ext>
-            </a:extLst>
-          </a:blip>
-          <a:srcRect t="24594"/>
-          <a:stretch/>
-        </p:blipFill>
-        <p:spPr>
-          <a:xfrm>
-            <a:off x="30262" y="701125"/>
-            <a:ext cx="1070834" cy="807472"/>
-          </a:xfrm>
-          <a:prstGeom prst="rect">
-            <a:avLst/>
-          </a:prstGeom>
-        </p:spPr>
-      </p:pic>
-      <p:pic>
-        <p:nvPicPr>
-          <p:cNvPr id="35" name="Picture 34">
-            <a:extLst>
-              <a:ext uri="{FF2B5EF4-FFF2-40B4-BE49-F238E27FC236}">
-                <a16:creationId xmlns:a16="http://schemas.microsoft.com/office/drawing/2014/main" id="{A6BD8E98-9D02-4302-A0DC-27431BE3C728}"/>
+                <a16:creationId xmlns:a16="http://schemas.microsoft.com/office/drawing/2014/main" id="{E6AA3C71-E2C8-40D1-8B50-2DBD0AD521C9}"/>
               </a:ext>
             </a:extLst>
           </p:cNvPr>
@@ -3983,239 +4017,25 @@
           <p:nvPr/>
         </p:nvPicPr>
         <p:blipFill>
-          <a:blip r:embed="rId8" cstate="print">
-            <a:extLst>
-              <a:ext uri="{28A0092B-C50C-407E-A947-70E740481C1C}">
-                <a14:useLocalDpi xmlns:a14="http://schemas.microsoft.com/office/drawing/2010/main" val="0"/>
-              </a:ext>
-            </a:extLst>
-          </a:blip>
+          <a:blip r:embed="rId9"/>
           <a:stretch>
             <a:fillRect/>
           </a:stretch>
         </p:blipFill>
         <p:spPr>
           <a:xfrm>
-            <a:off x="5154260" y="820234"/>
-            <a:ext cx="773590" cy="773590"/>
+            <a:off x="2940368" y="346520"/>
+            <a:ext cx="379857" cy="392049"/>
           </a:xfrm>
           <a:prstGeom prst="rect">
             <a:avLst/>
           </a:prstGeom>
         </p:spPr>
       </p:pic>
-      <p:pic>
-        <p:nvPicPr>
-          <p:cNvPr id="40" name="Picture 39">
-            <a:extLst>
-              <a:ext uri="{FF2B5EF4-FFF2-40B4-BE49-F238E27FC236}">
-                <a16:creationId xmlns:a16="http://schemas.microsoft.com/office/drawing/2014/main" id="{3A9ED37E-0445-4A81-9844-7CD48EA8E4E7}"/>
-              </a:ext>
-            </a:extLst>
-          </p:cNvPr>
-          <p:cNvPicPr>
-            <a:picLocks noChangeAspect="1"/>
-          </p:cNvPicPr>
-          <p:nvPr/>
-        </p:nvPicPr>
-        <p:blipFill>
-          <a:blip r:embed="rId9" cstate="print">
-            <a:extLst>
-              <a:ext uri="{28A0092B-C50C-407E-A947-70E740481C1C}">
-                <a14:useLocalDpi xmlns:a14="http://schemas.microsoft.com/office/drawing/2010/main" val="0"/>
-              </a:ext>
-            </a:extLst>
-          </a:blip>
-          <a:stretch>
-            <a:fillRect/>
-          </a:stretch>
-        </p:blipFill>
-        <p:spPr>
-          <a:xfrm>
-            <a:off x="4180270" y="328325"/>
-            <a:ext cx="370668" cy="370668"/>
-          </a:xfrm>
-          <a:prstGeom prst="rect">
-            <a:avLst/>
-          </a:prstGeom>
-        </p:spPr>
-      </p:pic>
-      <p:pic>
-        <p:nvPicPr>
-          <p:cNvPr id="46" name="Picture 45">
-            <a:extLst>
-              <a:ext uri="{FF2B5EF4-FFF2-40B4-BE49-F238E27FC236}">
-                <a16:creationId xmlns:a16="http://schemas.microsoft.com/office/drawing/2014/main" id="{46FFA281-25C0-4CD4-9990-2E9FF59E7C1D}"/>
-              </a:ext>
-            </a:extLst>
-          </p:cNvPr>
-          <p:cNvPicPr>
-            <a:picLocks noChangeAspect="1"/>
-          </p:cNvPicPr>
-          <p:nvPr/>
-        </p:nvPicPr>
-        <p:blipFill>
-          <a:blip r:embed="rId10" cstate="print">
-            <a:extLst>
-              <a:ext uri="{28A0092B-C50C-407E-A947-70E740481C1C}">
-                <a14:useLocalDpi xmlns:a14="http://schemas.microsoft.com/office/drawing/2010/main" val="0"/>
-              </a:ext>
-            </a:extLst>
-          </a:blip>
-          <a:stretch>
-            <a:fillRect/>
-          </a:stretch>
-        </p:blipFill>
-        <p:spPr>
-          <a:xfrm>
-            <a:off x="4206776" y="2757158"/>
-            <a:ext cx="370668" cy="370668"/>
-          </a:xfrm>
-          <a:prstGeom prst="rect">
-            <a:avLst/>
-          </a:prstGeom>
-        </p:spPr>
-      </p:pic>
-      <p:pic>
-        <p:nvPicPr>
-          <p:cNvPr id="49" name="Picture 48">
-            <a:extLst>
-              <a:ext uri="{FF2B5EF4-FFF2-40B4-BE49-F238E27FC236}">
-                <a16:creationId xmlns:a16="http://schemas.microsoft.com/office/drawing/2014/main" id="{8A568969-224C-477C-AF48-F50355CC326C}"/>
-              </a:ext>
-            </a:extLst>
-          </p:cNvPr>
-          <p:cNvPicPr>
-            <a:picLocks noChangeAspect="1"/>
-          </p:cNvPicPr>
-          <p:nvPr/>
-        </p:nvPicPr>
-        <p:blipFill>
-          <a:blip r:embed="rId10" cstate="print">
-            <a:extLst>
-              <a:ext uri="{28A0092B-C50C-407E-A947-70E740481C1C}">
-                <a14:useLocalDpi xmlns:a14="http://schemas.microsoft.com/office/drawing/2010/main" val="0"/>
-              </a:ext>
-            </a:extLst>
-          </a:blip>
-          <a:stretch>
-            <a:fillRect/>
-          </a:stretch>
-        </p:blipFill>
-        <p:spPr>
-          <a:xfrm>
-            <a:off x="5752653" y="111659"/>
-            <a:ext cx="370668" cy="370668"/>
-          </a:xfrm>
-          <a:prstGeom prst="rect">
-            <a:avLst/>
-          </a:prstGeom>
-        </p:spPr>
-      </p:pic>
-      <p:pic>
-        <p:nvPicPr>
-          <p:cNvPr id="50" name="Picture 49">
-            <a:extLst>
-              <a:ext uri="{FF2B5EF4-FFF2-40B4-BE49-F238E27FC236}">
-                <a16:creationId xmlns:a16="http://schemas.microsoft.com/office/drawing/2014/main" id="{8E06B829-5155-4D2E-ADC3-F63C6E205994}"/>
-              </a:ext>
-            </a:extLst>
-          </p:cNvPr>
-          <p:cNvPicPr>
-            <a:picLocks noChangeAspect="1"/>
-          </p:cNvPicPr>
-          <p:nvPr/>
-        </p:nvPicPr>
-        <p:blipFill>
-          <a:blip r:embed="rId9" cstate="print">
-            <a:extLst>
-              <a:ext uri="{28A0092B-C50C-407E-A947-70E740481C1C}">
-                <a14:useLocalDpi xmlns:a14="http://schemas.microsoft.com/office/drawing/2010/main" val="0"/>
-              </a:ext>
-            </a:extLst>
-          </a:blip>
-          <a:stretch>
-            <a:fillRect/>
-          </a:stretch>
-        </p:blipFill>
-        <p:spPr>
-          <a:xfrm>
-            <a:off x="5112342" y="111794"/>
-            <a:ext cx="370668" cy="370668"/>
-          </a:xfrm>
-          <a:prstGeom prst="rect">
-            <a:avLst/>
-          </a:prstGeom>
-        </p:spPr>
-      </p:pic>
-      <p:sp>
-        <p:nvSpPr>
-          <p:cNvPr id="52" name="Rectangle 51">
-            <a:extLst>
-              <a:ext uri="{FF2B5EF4-FFF2-40B4-BE49-F238E27FC236}">
-                <a16:creationId xmlns:a16="http://schemas.microsoft.com/office/drawing/2014/main" id="{9139F4F6-03E3-4E7D-AA5C-A234D9693F4F}"/>
-              </a:ext>
-            </a:extLst>
-          </p:cNvPr>
-          <p:cNvSpPr/>
-          <p:nvPr/>
-        </p:nvSpPr>
-        <p:spPr>
-          <a:xfrm>
-            <a:off x="5435731" y="136950"/>
-            <a:ext cx="364202" cy="307777"/>
-          </a:xfrm>
-          <a:prstGeom prst="rect">
-            <a:avLst/>
-          </a:prstGeom>
-        </p:spPr>
-        <p:txBody>
-          <a:bodyPr wrap="none">
-            <a:spAutoFit/>
-          </a:bodyPr>
-          <a:lstStyle/>
-          <a:p>
-            <a:r>
-              <a:rPr lang="en-US" sz="1400" dirty="0"/>
-              <a:t>==</a:t>
-            </a:r>
-          </a:p>
-        </p:txBody>
-      </p:sp>
     </p:spTree>
     <p:extLst>
       <p:ext uri="{BB962C8B-B14F-4D97-AF65-F5344CB8AC3E}">
         <p14:creationId xmlns:p14="http://schemas.microsoft.com/office/powerpoint/2010/main" val="2995954657"/>
-      </p:ext>
-    </p:extLst>
-  </p:cSld>
-  <p:clrMapOvr>
-    <a:masterClrMapping/>
-  </p:clrMapOvr>
-</p:sld>
-</file>
-
-<file path=ppt/slides/slide2.xml><?xml version="1.0" encoding="utf-8"?>
-<p:sld xmlns:a="http://schemas.openxmlformats.org/drawingml/2006/main" xmlns:r="http://schemas.openxmlformats.org/officeDocument/2006/relationships" xmlns:p="http://schemas.openxmlformats.org/presentationml/2006/main">
-  <p:cSld>
-    <p:spTree>
-      <p:nvGrpSpPr>
-        <p:cNvPr id="1" name=""/>
-        <p:cNvGrpSpPr/>
-        <p:nvPr/>
-      </p:nvGrpSpPr>
-      <p:grpSpPr>
-        <a:xfrm>
-          <a:off x="0" y="0"/>
-          <a:ext cx="0" cy="0"/>
-          <a:chOff x="0" y="0"/>
-          <a:chExt cx="0" cy="0"/>
-        </a:xfrm>
-      </p:grpSpPr>
-    </p:spTree>
-    <p:extLst>
-      <p:ext uri="{BB962C8B-B14F-4D97-AF65-F5344CB8AC3E}">
-        <p14:creationId xmlns:p14="http://schemas.microsoft.com/office/powerpoint/2010/main" val="1622292682"/>
       </p:ext>
     </p:extLst>
   </p:cSld>
